--- a/מצגת נלווית.pptx
+++ b/מצגת נלווית.pptx
@@ -292,7 +292,7 @@
           <a:p>
             <a:fld id="{48BCBA73-816B-4566-B703-07B58B98228C}" type="datetimeFigureOut">
               <a:rPr lang="en-GB" smtClean="0"/>
-              <a:t>31/05/2016</a:t>
+              <a:t>01/06/2016</a:t>
             </a:fld>
             <a:endParaRPr lang="en-GB"/>
           </a:p>
@@ -462,7 +462,7 @@
           <a:p>
             <a:fld id="{48BCBA73-816B-4566-B703-07B58B98228C}" type="datetimeFigureOut">
               <a:rPr lang="en-GB" smtClean="0"/>
-              <a:t>31/05/2016</a:t>
+              <a:t>01/06/2016</a:t>
             </a:fld>
             <a:endParaRPr lang="en-GB"/>
           </a:p>
@@ -642,7 +642,7 @@
           <a:p>
             <a:fld id="{48BCBA73-816B-4566-B703-07B58B98228C}" type="datetimeFigureOut">
               <a:rPr lang="en-GB" smtClean="0"/>
-              <a:t>31/05/2016</a:t>
+              <a:t>01/06/2016</a:t>
             </a:fld>
             <a:endParaRPr lang="en-GB"/>
           </a:p>
@@ -812,7 +812,7 @@
           <a:p>
             <a:fld id="{48BCBA73-816B-4566-B703-07B58B98228C}" type="datetimeFigureOut">
               <a:rPr lang="en-GB" smtClean="0"/>
-              <a:t>31/05/2016</a:t>
+              <a:t>01/06/2016</a:t>
             </a:fld>
             <a:endParaRPr lang="en-GB"/>
           </a:p>
@@ -1058,7 +1058,7 @@
           <a:p>
             <a:fld id="{48BCBA73-816B-4566-B703-07B58B98228C}" type="datetimeFigureOut">
               <a:rPr lang="en-GB" smtClean="0"/>
-              <a:t>31/05/2016</a:t>
+              <a:t>01/06/2016</a:t>
             </a:fld>
             <a:endParaRPr lang="en-GB"/>
           </a:p>
@@ -1346,7 +1346,7 @@
           <a:p>
             <a:fld id="{48BCBA73-816B-4566-B703-07B58B98228C}" type="datetimeFigureOut">
               <a:rPr lang="en-GB" smtClean="0"/>
-              <a:t>31/05/2016</a:t>
+              <a:t>01/06/2016</a:t>
             </a:fld>
             <a:endParaRPr lang="en-GB"/>
           </a:p>
@@ -1768,7 +1768,7 @@
           <a:p>
             <a:fld id="{48BCBA73-816B-4566-B703-07B58B98228C}" type="datetimeFigureOut">
               <a:rPr lang="en-GB" smtClean="0"/>
-              <a:t>31/05/2016</a:t>
+              <a:t>01/06/2016</a:t>
             </a:fld>
             <a:endParaRPr lang="en-GB"/>
           </a:p>
@@ -1886,7 +1886,7 @@
           <a:p>
             <a:fld id="{48BCBA73-816B-4566-B703-07B58B98228C}" type="datetimeFigureOut">
               <a:rPr lang="en-GB" smtClean="0"/>
-              <a:t>31/05/2016</a:t>
+              <a:t>01/06/2016</a:t>
             </a:fld>
             <a:endParaRPr lang="en-GB"/>
           </a:p>
@@ -1981,7 +1981,7 @@
           <a:p>
             <a:fld id="{48BCBA73-816B-4566-B703-07B58B98228C}" type="datetimeFigureOut">
               <a:rPr lang="en-GB" smtClean="0"/>
-              <a:t>31/05/2016</a:t>
+              <a:t>01/06/2016</a:t>
             </a:fld>
             <a:endParaRPr lang="en-GB"/>
           </a:p>
@@ -2258,7 +2258,7 @@
           <a:p>
             <a:fld id="{48BCBA73-816B-4566-B703-07B58B98228C}" type="datetimeFigureOut">
               <a:rPr lang="en-GB" smtClean="0"/>
-              <a:t>31/05/2016</a:t>
+              <a:t>01/06/2016</a:t>
             </a:fld>
             <a:endParaRPr lang="en-GB"/>
           </a:p>
@@ -2511,7 +2511,7 @@
           <a:p>
             <a:fld id="{48BCBA73-816B-4566-B703-07B58B98228C}" type="datetimeFigureOut">
               <a:rPr lang="en-GB" smtClean="0"/>
-              <a:t>31/05/2016</a:t>
+              <a:t>01/06/2016</a:t>
             </a:fld>
             <a:endParaRPr lang="en-GB"/>
           </a:p>
@@ -2724,7 +2724,7 @@
           <a:p>
             <a:fld id="{48BCBA73-816B-4566-B703-07B58B98228C}" type="datetimeFigureOut">
               <a:rPr lang="en-GB" smtClean="0"/>
-              <a:t>31/05/2016</a:t>
+              <a:t>01/06/2016</a:t>
             </a:fld>
             <a:endParaRPr lang="en-GB"/>
           </a:p>
@@ -3310,7 +3310,7 @@
           <a:graphicData uri="http://schemas.openxmlformats.org/presentationml/2006/ole">
             <mc:AlternateContent xmlns:mc="http://schemas.openxmlformats.org/markup-compatibility/2006">
               <mc:Choice xmlns:v="urn:schemas-microsoft-com:vml" Requires="v">
-                <p:oleObj spid="_x0000_s1027" name="Image" r:id="rId3" imgW="6375699" imgH="910417" progId="Photoshop.Image.16">
+                <p:oleObj spid="_x0000_s1032" name="Image" r:id="rId3" imgW="6375699" imgH="910417" progId="Photoshop.Image.16">
                   <p:embed/>
                 </p:oleObj>
               </mc:Choice>
@@ -3355,6 +3355,49 @@
           </a:graphicData>
         </a:graphic>
       </p:graphicFrame>
+      <p:sp>
+        <p:nvSpPr>
+          <p:cNvPr id="4" name="TextBox 3"/>
+          <p:cNvSpPr txBox="1"/>
+          <p:nvPr/>
+        </p:nvSpPr>
+        <p:spPr>
+          <a:xfrm>
+            <a:off x="3518630" y="1340768"/>
+            <a:ext cx="2918364" cy="369332"/>
+          </a:xfrm>
+          <a:prstGeom prst="rect">
+            <a:avLst/>
+          </a:prstGeom>
+          <a:noFill/>
+        </p:spPr>
+        <p:txBody>
+          <a:bodyPr wrap="none" rtlCol="1">
+            <a:spAutoFit/>
+          </a:bodyPr>
+          <a:lstStyle/>
+          <a:p>
+            <a:pPr algn="r" rtl="1"/>
+            <a:r>
+              <a:rPr lang="he-IL" dirty="0" smtClean="0"/>
+              <a:t>מבנה של </a:t>
+            </a:r>
+            <a:r>
+              <a:rPr lang="he-IL" dirty="0" err="1" smtClean="0"/>
+              <a:t>פקטת</a:t>
+            </a:r>
+            <a:r>
+              <a:rPr lang="he-IL" dirty="0" smtClean="0"/>
+              <a:t> </a:t>
+            </a:r>
+            <a:r>
+              <a:rPr lang="en-US" dirty="0" smtClean="0"/>
+              <a:t>Wake on LAN</a:t>
+            </a:r>
+            <a:endParaRPr lang="he-IL" dirty="0"/>
+          </a:p>
+        </p:txBody>
+      </p:sp>
     </p:spTree>
     <p:extLst>
       <p:ext uri="{BB962C8B-B14F-4D97-AF65-F5344CB8AC3E}">
@@ -3400,7 +3443,7 @@
         </p:nvGrpSpPr>
         <p:grpSpPr>
           <a:xfrm>
-            <a:off x="354330" y="752475"/>
+            <a:off x="354330" y="1472555"/>
             <a:ext cx="8366632" cy="4836765"/>
             <a:chOff x="0" y="0"/>
             <a:chExt cx="6837680" cy="3952875"/>
@@ -4607,6 +4650,36 @@
           </p:sp>
         </p:grpSp>
       </p:grpSp>
+      <p:sp>
+        <p:nvSpPr>
+          <p:cNvPr id="2" name="TextBox 1"/>
+          <p:cNvSpPr txBox="1"/>
+          <p:nvPr/>
+        </p:nvSpPr>
+        <p:spPr>
+          <a:xfrm>
+            <a:off x="2213325" y="566782"/>
+            <a:ext cx="3940502" cy="369332"/>
+          </a:xfrm>
+          <a:prstGeom prst="rect">
+            <a:avLst/>
+          </a:prstGeom>
+          <a:noFill/>
+        </p:spPr>
+        <p:txBody>
+          <a:bodyPr wrap="none" rtlCol="1">
+            <a:spAutoFit/>
+          </a:bodyPr>
+          <a:lstStyle/>
+          <a:p>
+            <a:r>
+              <a:rPr lang="he-IL" dirty="0" smtClean="0"/>
+              <a:t>דוגמה לשלבי התקשורת בין השרת והלקוח</a:t>
+            </a:r>
+            <a:endParaRPr lang="he-IL" dirty="0"/>
+          </a:p>
+        </p:txBody>
+      </p:sp>
     </p:spTree>
     <p:extLst>
       <p:ext uri="{BB962C8B-B14F-4D97-AF65-F5344CB8AC3E}">
@@ -4645,7 +4718,7 @@
         </p:nvGrpSpPr>
         <p:grpSpPr>
           <a:xfrm>
-            <a:off x="1903698" y="44624"/>
+            <a:off x="1547664" y="44624"/>
             <a:ext cx="5151784" cy="6866022"/>
             <a:chOff x="0" y="0"/>
             <a:chExt cx="5410200" cy="7210425"/>
@@ -5554,6 +5627,36 @@
           </p:txBody>
         </p:sp>
       </p:grpSp>
+      <p:sp>
+        <p:nvSpPr>
+          <p:cNvPr id="20" name="TextBox 19"/>
+          <p:cNvSpPr txBox="1"/>
+          <p:nvPr/>
+        </p:nvSpPr>
+        <p:spPr>
+          <a:xfrm>
+            <a:off x="7380312" y="1988840"/>
+            <a:ext cx="1300356" cy="369332"/>
+          </a:xfrm>
+          <a:prstGeom prst="rect">
+            <a:avLst/>
+          </a:prstGeom>
+          <a:noFill/>
+        </p:spPr>
+        <p:txBody>
+          <a:bodyPr wrap="none" rtlCol="1">
+            <a:spAutoFit/>
+          </a:bodyPr>
+          <a:lstStyle/>
+          <a:p>
+            <a:r>
+              <a:rPr lang="he-IL" dirty="0" smtClean="0"/>
+              <a:t>מבנה הרשת</a:t>
+            </a:r>
+            <a:endParaRPr lang="he-IL" dirty="0"/>
+          </a:p>
+        </p:txBody>
+      </p:sp>
     </p:spTree>
     <p:extLst>
       <p:ext uri="{BB962C8B-B14F-4D97-AF65-F5344CB8AC3E}">
@@ -5606,7 +5709,7 @@
         </p:blipFill>
         <p:spPr>
           <a:xfrm>
-            <a:off x="2144729" y="16355"/>
+            <a:off x="1763688" y="16355"/>
             <a:ext cx="4854539" cy="6858000"/>
           </a:xfrm>
           <a:prstGeom prst="rect">
@@ -5614,6 +5717,49 @@
           </a:prstGeom>
         </p:spPr>
       </p:pic>
+      <p:sp>
+        <p:nvSpPr>
+          <p:cNvPr id="3" name="TextBox 2"/>
+          <p:cNvSpPr txBox="1"/>
+          <p:nvPr/>
+        </p:nvSpPr>
+        <p:spPr>
+          <a:xfrm>
+            <a:off x="7020272" y="2132856"/>
+            <a:ext cx="1776271" cy="646331"/>
+          </a:xfrm>
+          <a:prstGeom prst="rect">
+            <a:avLst/>
+          </a:prstGeom>
+          <a:noFill/>
+        </p:spPr>
+        <p:txBody>
+          <a:bodyPr wrap="square" rtlCol="1">
+            <a:spAutoFit/>
+          </a:bodyPr>
+          <a:lstStyle/>
+          <a:p>
+            <a:pPr algn="r" rtl="1"/>
+            <a:r>
+              <a:rPr lang="he-IL" dirty="0" smtClean="0"/>
+              <a:t>תרשים </a:t>
+            </a:r>
+            <a:r>
+              <a:rPr lang="en-US" dirty="0" smtClean="0"/>
+              <a:t>UML</a:t>
+            </a:r>
+            <a:r>
+              <a:rPr lang="he-IL" dirty="0" smtClean="0"/>
+              <a:t> של </a:t>
+            </a:r>
+            <a:r>
+              <a:rPr lang="he-IL" dirty="0" err="1" smtClean="0"/>
+              <a:t>הפרוייקט</a:t>
+            </a:r>
+            <a:endParaRPr lang="he-IL" dirty="0"/>
+          </a:p>
+        </p:txBody>
+      </p:sp>
     </p:spTree>
     <p:extLst>
       <p:ext uri="{BB962C8B-B14F-4D97-AF65-F5344CB8AC3E}">
